--- a/Documentação/Documentação_Teorica/Mapa de empatia-V1.pptx
+++ b/Documentação/Documentação_Teorica/Mapa de empatia-V1.pptx
@@ -273,7 +273,7 @@
           <a:p>
             <a:fld id="{1D8BD707-D9CF-40AE-B4C6-C98DA3205C09}" type="datetimeFigureOut">
               <a:rPr lang="en-US"/>
-              <a:t>3/2/2021</a:t>
+              <a:t>3/8/2021</a:t>
             </a:fld>
             <a:endParaRPr lang="en-US"/>
           </a:p>
@@ -438,7 +438,7 @@
           <a:p>
             <a:fld id="{1D8BD707-D9CF-40AE-B4C6-C98DA3205C09}" type="datetimeFigureOut">
               <a:rPr lang="en-US"/>
-              <a:t>3/2/2021</a:t>
+              <a:t>3/8/2021</a:t>
             </a:fld>
             <a:endParaRPr lang="en-US"/>
           </a:p>
@@ -646,7 +646,7 @@
           <a:p>
             <a:fld id="{1D8BD707-D9CF-40AE-B4C6-C98DA3205C09}" type="datetimeFigureOut">
               <a:rPr lang="en-US"/>
-              <a:t>3/2/2021</a:t>
+              <a:t>3/8/2021</a:t>
             </a:fld>
             <a:endParaRPr lang="en-US"/>
           </a:p>
@@ -788,7 +788,7 @@
           <a:p>
             <a:fld id="{1D8BD707-D9CF-40AE-B4C6-C98DA3205C09}" type="datetimeFigureOut">
               <a:rPr lang="en-US"/>
-              <a:t>3/2/2021</a:t>
+              <a:t>3/8/2021</a:t>
             </a:fld>
             <a:endParaRPr lang="en-US"/>
           </a:p>
@@ -907,7 +907,7 @@
           <a:p>
             <a:fld id="{1D8BD707-D9CF-40AE-B4C6-C98DA3205C09}" type="datetimeFigureOut">
               <a:rPr lang="en-US"/>
-              <a:t>3/2/2021</a:t>
+              <a:t>3/8/2021</a:t>
             </a:fld>
             <a:endParaRPr lang="en-US"/>
           </a:p>
@@ -1413,7 +1413,7 @@
           <a:p>
             <a:fld id="{1D8BD707-D9CF-40AE-B4C6-C98DA3205C09}" type="datetimeFigureOut">
               <a:rPr lang="en-US"/>
-              <a:t>3/2/2021</a:t>
+              <a:t>3/8/2021</a:t>
             </a:fld>
             <a:endParaRPr lang="en-US"/>
           </a:p>
@@ -8846,7 +8846,7 @@
         </p:nvSpPr>
         <p:spPr>
           <a:xfrm>
-            <a:off x="8449669" y="2213002"/>
+            <a:off x="8615835" y="2208254"/>
             <a:ext cx="3779845" cy="2246769"/>
           </a:xfrm>
           <a:prstGeom prst="rect">
@@ -8860,7 +8860,7 @@
           </a:bodyPr>
           <a:lstStyle/>
           <a:p>
-            <a:pPr marL="285750" indent="-285750" algn="ctr">
+            <a:pPr marL="285750" indent="-285750">
               <a:buFont typeface="Arial" panose="020B0604020202020204" pitchFamily="34" charset="0"/>
               <a:buChar char="•"/>
             </a:pPr>
@@ -8873,7 +8873,7 @@
             </a:r>
           </a:p>
           <a:p>
-            <a:pPr marL="285750" indent="-285750" algn="ctr">
+            <a:pPr marL="285750" indent="-285750">
               <a:buFont typeface="Arial" panose="020B0604020202020204" pitchFamily="34" charset="0"/>
               <a:buChar char="•"/>
             </a:pPr>
@@ -8886,7 +8886,7 @@
             </a:r>
           </a:p>
           <a:p>
-            <a:pPr marL="285750" indent="-285750" algn="ctr">
+            <a:pPr marL="285750" indent="-285750">
               <a:buFont typeface="Arial" panose="020B0604020202020204" pitchFamily="34" charset="0"/>
               <a:buChar char="•"/>
             </a:pPr>
@@ -8899,7 +8899,7 @@
             </a:r>
           </a:p>
           <a:p>
-            <a:pPr marL="285750" indent="-285750" algn="ctr">
+            <a:pPr marL="285750" indent="-285750">
               <a:buFont typeface="Arial" panose="020B0604020202020204" pitchFamily="34" charset="0"/>
               <a:buChar char="•"/>
             </a:pPr>
@@ -8989,8 +8989,8 @@
         </p:nvSpPr>
         <p:spPr>
           <a:xfrm>
-            <a:off x="3042334" y="4318013"/>
-            <a:ext cx="6541537" cy="1631216"/>
+            <a:off x="3655092" y="4324183"/>
+            <a:ext cx="6459671" cy="1682029"/>
           </a:xfrm>
           <a:prstGeom prst="rect">
             <a:avLst/>
@@ -9003,7 +9003,7 @@
           </a:bodyPr>
           <a:lstStyle/>
           <a:p>
-            <a:pPr marL="285750" indent="-285750" algn="ctr">
+            <a:pPr marL="285750" indent="-285750">
               <a:buFont typeface="Arial" panose="020B0604020202020204" pitchFamily="34" charset="0"/>
               <a:buChar char="•"/>
             </a:pPr>
@@ -9016,7 +9016,7 @@
             </a:r>
           </a:p>
           <a:p>
-            <a:pPr marL="285750" indent="-285750" algn="ctr">
+            <a:pPr marL="285750" indent="-285750">
               <a:buFont typeface="Arial" panose="020B0604020202020204" pitchFamily="34" charset="0"/>
               <a:buChar char="•"/>
             </a:pPr>
@@ -9029,7 +9029,7 @@
             </a:r>
           </a:p>
           <a:p>
-            <a:pPr marL="285750" indent="-285750" algn="ctr">
+            <a:pPr marL="285750" indent="-285750">
               <a:buFont typeface="Arial" panose="020B0604020202020204" pitchFamily="34" charset="0"/>
               <a:buChar char="•"/>
             </a:pPr>
@@ -9042,7 +9042,7 @@
             </a:r>
           </a:p>
           <a:p>
-            <a:pPr marL="285750" indent="-285750" algn="ctr">
+            <a:pPr marL="285750" indent="-285750">
               <a:buFont typeface="Arial" panose="020B0604020202020204" pitchFamily="34" charset="0"/>
               <a:buChar char="•"/>
             </a:pPr>
@@ -9101,7 +9101,7 @@
           </a:bodyPr>
           <a:lstStyle/>
           <a:p>
-            <a:pPr marL="285750" indent="-285750" algn="ctr">
+            <a:pPr marL="285750" indent="-285750">
               <a:buFont typeface="Arial" panose="020B0604020202020204" pitchFamily="34" charset="0"/>
               <a:buChar char="•"/>
             </a:pPr>
@@ -9114,7 +9114,7 @@
             </a:r>
           </a:p>
           <a:p>
-            <a:pPr marL="285750" indent="-285750" algn="ctr">
+            <a:pPr marL="285750" indent="-285750">
               <a:buFont typeface="Arial" panose="020B0604020202020204" pitchFamily="34" charset="0"/>
               <a:buChar char="•"/>
             </a:pPr>
@@ -9127,7 +9127,7 @@
             </a:r>
           </a:p>
           <a:p>
-            <a:pPr marL="285750" indent="-285750" algn="ctr">
+            <a:pPr marL="285750" indent="-285750">
               <a:buFont typeface="Arial" panose="020B0604020202020204" pitchFamily="34" charset="0"/>
               <a:buChar char="•"/>
             </a:pPr>
@@ -9155,7 +9155,7 @@
         </p:nvSpPr>
         <p:spPr>
           <a:xfrm>
-            <a:off x="-282702" y="6047761"/>
+            <a:off x="669798" y="5978311"/>
             <a:ext cx="6858000" cy="739177"/>
           </a:xfrm>
           <a:prstGeom prst="rect">
@@ -9169,7 +9169,7 @@
           </a:bodyPr>
           <a:lstStyle/>
           <a:p>
-            <a:pPr marL="285750" indent="-285750" algn="ctr">
+            <a:pPr marL="285750" indent="-285750">
               <a:lnSpc>
                 <a:spcPct val="150000"/>
               </a:lnSpc>
@@ -9185,7 +9185,7 @@
             </a:r>
           </a:p>
           <a:p>
-            <a:pPr marL="285750" indent="-285750" algn="ctr">
+            <a:pPr marL="285750" indent="-285750">
               <a:lnSpc>
                 <a:spcPct val="150000"/>
               </a:lnSpc>
@@ -9237,7 +9237,7 @@
           </a:bodyPr>
           <a:lstStyle/>
           <a:p>
-            <a:pPr marL="285750" indent="-285750" algn="ctr">
+            <a:pPr marL="285750" indent="-285750">
               <a:lnSpc>
                 <a:spcPct val="150000"/>
               </a:lnSpc>
@@ -9253,7 +9253,7 @@
             </a:r>
           </a:p>
           <a:p>
-            <a:pPr marL="285750" indent="-285750" algn="ctr">
+            <a:pPr marL="285750" indent="-285750">
               <a:lnSpc>
                 <a:spcPct val="150000"/>
               </a:lnSpc>
@@ -9269,7 +9269,7 @@
             </a:r>
           </a:p>
           <a:p>
-            <a:pPr marL="285750" indent="-285750" algn="ctr">
+            <a:pPr marL="285750" indent="-285750">
               <a:lnSpc>
                 <a:spcPct val="150000"/>
               </a:lnSpc>

--- a/Documentação/Documentação_Teorica/Mapa de empatia-V1.pptx
+++ b/Documentação/Documentação_Teorica/Mapa de empatia-V1.pptx
@@ -273,7 +273,7 @@
           <a:p>
             <a:fld id="{1D8BD707-D9CF-40AE-B4C6-C98DA3205C09}" type="datetimeFigureOut">
               <a:rPr lang="en-US"/>
-              <a:t>3/8/2021</a:t>
+              <a:t>3/9/2021</a:t>
             </a:fld>
             <a:endParaRPr lang="en-US"/>
           </a:p>
@@ -438,7 +438,7 @@
           <a:p>
             <a:fld id="{1D8BD707-D9CF-40AE-B4C6-C98DA3205C09}" type="datetimeFigureOut">
               <a:rPr lang="en-US"/>
-              <a:t>3/8/2021</a:t>
+              <a:t>3/9/2021</a:t>
             </a:fld>
             <a:endParaRPr lang="en-US"/>
           </a:p>
@@ -646,7 +646,7 @@
           <a:p>
             <a:fld id="{1D8BD707-D9CF-40AE-B4C6-C98DA3205C09}" type="datetimeFigureOut">
               <a:rPr lang="en-US"/>
-              <a:t>3/8/2021</a:t>
+              <a:t>3/9/2021</a:t>
             </a:fld>
             <a:endParaRPr lang="en-US"/>
           </a:p>
@@ -788,7 +788,7 @@
           <a:p>
             <a:fld id="{1D8BD707-D9CF-40AE-B4C6-C98DA3205C09}" type="datetimeFigureOut">
               <a:rPr lang="en-US"/>
-              <a:t>3/8/2021</a:t>
+              <a:t>3/9/2021</a:t>
             </a:fld>
             <a:endParaRPr lang="en-US"/>
           </a:p>
@@ -907,7 +907,7 @@
           <a:p>
             <a:fld id="{1D8BD707-D9CF-40AE-B4C6-C98DA3205C09}" type="datetimeFigureOut">
               <a:rPr lang="en-US"/>
-              <a:t>3/8/2021</a:t>
+              <a:t>3/9/2021</a:t>
             </a:fld>
             <a:endParaRPr lang="en-US"/>
           </a:p>
@@ -1413,7 +1413,7 @@
           <a:p>
             <a:fld id="{1D8BD707-D9CF-40AE-B4C6-C98DA3205C09}" type="datetimeFigureOut">
               <a:rPr lang="en-US"/>
-              <a:t>3/8/2021</a:t>
+              <a:t>3/9/2021</a:t>
             </a:fld>
             <a:endParaRPr lang="en-US"/>
           </a:p>
@@ -9277,11 +9277,11 @@
               <a:buChar char="•"/>
             </a:pPr>
             <a:r>
-              <a:rPr lang="pt-BR" sz="1400" dirty="0">
+              <a:rPr lang="pt-BR" sz="1400">
                 <a:latin typeface="Arial" panose="020B0604020202020204" pitchFamily="34" charset="0"/>
                 <a:cs typeface="Arial" panose="020B0604020202020204" pitchFamily="34" charset="0"/>
               </a:rPr>
-              <a:t>Necessita de uma ferramenta pratica </a:t>
+              <a:t>.</a:t>
             </a:r>
             <a:endParaRPr lang="pt-BR" sz="1400" dirty="0"/>
           </a:p>
